--- a/Lua.pptx
+++ b/Lua.pptx
@@ -5,18 +5,19 @@
     <p:sldMasterId id="2147483758" r:id="rId1"/>
   </p:sldMasterIdLst>
   <p:notesMasterIdLst>
-    <p:notesMasterId r:id="rId11"/>
+    <p:notesMasterId r:id="rId12"/>
   </p:notesMasterIdLst>
   <p:sldIdLst>
     <p:sldId id="256" r:id="rId2"/>
     <p:sldId id="257" r:id="rId3"/>
-    <p:sldId id="258" r:id="rId4"/>
-    <p:sldId id="259" r:id="rId5"/>
-    <p:sldId id="260" r:id="rId6"/>
-    <p:sldId id="261" r:id="rId7"/>
-    <p:sldId id="262" r:id="rId8"/>
-    <p:sldId id="263" r:id="rId9"/>
-    <p:sldId id="264" r:id="rId10"/>
+    <p:sldId id="265" r:id="rId4"/>
+    <p:sldId id="258" r:id="rId5"/>
+    <p:sldId id="259" r:id="rId6"/>
+    <p:sldId id="260" r:id="rId7"/>
+    <p:sldId id="261" r:id="rId8"/>
+    <p:sldId id="262" r:id="rId9"/>
+    <p:sldId id="263" r:id="rId10"/>
+    <p:sldId id="264" r:id="rId11"/>
   </p:sldIdLst>
   <p:sldSz cx="12192000" cy="6858000"/>
   <p:notesSz cx="6858000" cy="9144000"/>
@@ -115,6 +116,11 @@
       </a:defRPr>
     </a:lvl9pPr>
   </p:defaultTextStyle>
+  <p:extLst>
+    <p:ext uri="{EFAFB233-063F-42B5-8137-9DF3F51BA10A}">
+      <p15:sldGuideLst xmlns:p15="http://schemas.microsoft.com/office/powerpoint/2012/main"/>
+    </p:ext>
+  </p:extLst>
 </p:presentation>
 </file>
 
@@ -6291,6 +6297,118 @@
 </p:sld>
 </file>
 
+<file path=ppt/slides/slide10.xml><?xml version="1.0" encoding="utf-8"?>
+<p:sld xmlns:a="http://schemas.openxmlformats.org/drawingml/2006/main" xmlns:r="http://schemas.openxmlformats.org/officeDocument/2006/relationships" xmlns:p="http://schemas.openxmlformats.org/presentationml/2006/main">
+  <p:cSld>
+    <p:spTree>
+      <p:nvGrpSpPr>
+        <p:cNvPr id="1" name=""/>
+        <p:cNvGrpSpPr/>
+        <p:nvPr/>
+      </p:nvGrpSpPr>
+      <p:grpSpPr>
+        <a:xfrm>
+          <a:off x="0" y="0"/>
+          <a:ext cx="0" cy="0"/>
+          <a:chOff x="0" y="0"/>
+          <a:chExt cx="0" cy="0"/>
+        </a:xfrm>
+      </p:grpSpPr>
+      <p:sp>
+        <p:nvSpPr>
+          <p:cNvPr id="2" name="Titel 1">
+            <a:extLst>
+              <a:ext uri="{FF2B5EF4-FFF2-40B4-BE49-F238E27FC236}">
+                <a16:creationId xmlns:a16="http://schemas.microsoft.com/office/drawing/2014/main" id="{8F46BB6D-FF80-4678-BE12-178CCD370CB5}"/>
+              </a:ext>
+            </a:extLst>
+          </p:cNvPr>
+          <p:cNvSpPr>
+            <a:spLocks noGrp="1"/>
+          </p:cNvSpPr>
+          <p:nvPr>
+            <p:ph type="title"/>
+          </p:nvPr>
+        </p:nvSpPr>
+        <p:spPr/>
+        <p:txBody>
+          <a:bodyPr/>
+          <a:lstStyle/>
+          <a:p>
+            <a:r>
+              <a:rPr lang="de-CH" dirty="0"/>
+              <a:t>Persönliches Fazit</a:t>
+            </a:r>
+          </a:p>
+        </p:txBody>
+      </p:sp>
+      <p:sp>
+        <p:nvSpPr>
+          <p:cNvPr id="3" name="Inhaltsplatzhalter 2">
+            <a:extLst>
+              <a:ext uri="{FF2B5EF4-FFF2-40B4-BE49-F238E27FC236}">
+                <a16:creationId xmlns:a16="http://schemas.microsoft.com/office/drawing/2014/main" id="{334B0A7D-132C-41D7-BD08-557EB46A1275}"/>
+              </a:ext>
+            </a:extLst>
+          </p:cNvPr>
+          <p:cNvSpPr>
+            <a:spLocks noGrp="1"/>
+          </p:cNvSpPr>
+          <p:nvPr>
+            <p:ph idx="1"/>
+          </p:nvPr>
+        </p:nvSpPr>
+        <p:spPr/>
+        <p:txBody>
+          <a:bodyPr/>
+          <a:lstStyle/>
+          <a:p>
+            <a:endParaRPr lang="de-CH"/>
+          </a:p>
+        </p:txBody>
+      </p:sp>
+      <p:sp>
+        <p:nvSpPr>
+          <p:cNvPr id="4" name="Foliennummernplatzhalter 3">
+            <a:extLst>
+              <a:ext uri="{FF2B5EF4-FFF2-40B4-BE49-F238E27FC236}">
+                <a16:creationId xmlns:a16="http://schemas.microsoft.com/office/drawing/2014/main" id="{EC09ED78-F1CE-4032-8547-66FBBF58E2A0}"/>
+              </a:ext>
+            </a:extLst>
+          </p:cNvPr>
+          <p:cNvSpPr>
+            <a:spLocks noGrp="1"/>
+          </p:cNvSpPr>
+          <p:nvPr>
+            <p:ph type="sldNum" sz="quarter" idx="12"/>
+          </p:nvPr>
+        </p:nvSpPr>
+        <p:spPr/>
+        <p:txBody>
+          <a:bodyPr/>
+          <a:lstStyle/>
+          <a:p>
+            <a:fld id="{0CE99FAD-A252-45E6-912A-7A3B14C6A053}" type="slidenum">
+              <a:rPr lang="de-CH" smtClean="0"/>
+              <a:t>10</a:t>
+            </a:fld>
+            <a:endParaRPr lang="de-CH"/>
+          </a:p>
+        </p:txBody>
+      </p:sp>
+    </p:spTree>
+    <p:extLst>
+      <p:ext uri="{BB962C8B-B14F-4D97-AF65-F5344CB8AC3E}">
+        <p14:creationId xmlns:p14="http://schemas.microsoft.com/office/powerpoint/2010/main" val="1352414623"/>
+      </p:ext>
+    </p:extLst>
+  </p:cSld>
+  <p:clrMapOvr>
+    <a:masterClrMapping/>
+  </p:clrMapOvr>
+</p:sld>
+</file>
+
 <file path=ppt/slides/slide2.xml><?xml version="1.0" encoding="utf-8"?>
 <p:sld xmlns:a="http://schemas.openxmlformats.org/drawingml/2006/main" xmlns:r="http://schemas.openxmlformats.org/officeDocument/2006/relationships" xmlns:p="http://schemas.openxmlformats.org/presentationml/2006/main">
   <p:cSld>
@@ -6356,6 +6474,12 @@
         <p:txBody>
           <a:bodyPr/>
           <a:lstStyle/>
+          <a:p>
+            <a:r>
+              <a:rPr lang="de-CH"/>
+              <a:t>Tables</a:t>
+            </a:r>
+          </a:p>
           <a:p>
             <a:r>
               <a:rPr lang="de-CH" dirty="0"/>
@@ -6497,7 +6621,7 @@
           <p:cNvPr id="2" name="Titel 1">
             <a:extLst>
               <a:ext uri="{FF2B5EF4-FFF2-40B4-BE49-F238E27FC236}">
-                <a16:creationId xmlns:a16="http://schemas.microsoft.com/office/drawing/2014/main" id="{56239333-E162-45A3-AEB1-61D6D4664337}"/>
+                <a16:creationId xmlns:a16="http://schemas.microsoft.com/office/drawing/2014/main" id="{EA0CB5A8-AFE7-4EC7-B213-E9A07F70B4AB}"/>
               </a:ext>
             </a:extLst>
           </p:cNvPr>
@@ -6515,7 +6639,7 @@
           <a:p>
             <a:r>
               <a:rPr lang="de-CH" dirty="0" err="1"/>
-              <a:t>Closures</a:t>
+              <a:t>Tables</a:t>
             </a:r>
             <a:endParaRPr lang="de-CH" dirty="0"/>
           </a:p>
@@ -6526,7 +6650,7 @@
           <p:cNvPr id="3" name="Inhaltsplatzhalter 2">
             <a:extLst>
               <a:ext uri="{FF2B5EF4-FFF2-40B4-BE49-F238E27FC236}">
-                <a16:creationId xmlns:a16="http://schemas.microsoft.com/office/drawing/2014/main" id="{6DC23532-B365-4FE1-B382-6C8769DC0B73}"/>
+                <a16:creationId xmlns:a16="http://schemas.microsoft.com/office/drawing/2014/main" id="{9AFC8B55-9C43-4F5C-A9B4-1E4ED783001C}"/>
               </a:ext>
             </a:extLst>
           </p:cNvPr>
@@ -6542,10 +6666,7 @@
           <a:bodyPr/>
           <a:lstStyle/>
           <a:p>
-            <a:r>
-              <a:rPr lang="de-CH" dirty="0"/>
-              <a:t>TODO</a:t>
-            </a:r>
+            <a:endParaRPr lang="de-CH" dirty="0"/>
           </a:p>
         </p:txBody>
       </p:sp>
@@ -6554,7 +6675,7 @@
           <p:cNvPr id="4" name="Foliennummernplatzhalter 3">
             <a:extLst>
               <a:ext uri="{FF2B5EF4-FFF2-40B4-BE49-F238E27FC236}">
-                <a16:creationId xmlns:a16="http://schemas.microsoft.com/office/drawing/2014/main" id="{3DB38145-E9E2-4C45-9317-8ACC72F3DAAD}"/>
+                <a16:creationId xmlns:a16="http://schemas.microsoft.com/office/drawing/2014/main" id="{EF9D1215-9197-4741-9DA8-BB9BF1912AA8}"/>
               </a:ext>
             </a:extLst>
           </p:cNvPr>
@@ -6581,7 +6702,7 @@
     </p:spTree>
     <p:extLst>
       <p:ext uri="{BB962C8B-B14F-4D97-AF65-F5344CB8AC3E}">
-        <p14:creationId xmlns:p14="http://schemas.microsoft.com/office/powerpoint/2010/main" val="784608351"/>
+        <p14:creationId xmlns:p14="http://schemas.microsoft.com/office/powerpoint/2010/main" val="638749472"/>
       </p:ext>
     </p:extLst>
   </p:cSld>
@@ -6613,7 +6734,7 @@
           <p:cNvPr id="2" name="Titel 1">
             <a:extLst>
               <a:ext uri="{FF2B5EF4-FFF2-40B4-BE49-F238E27FC236}">
-                <a16:creationId xmlns:a16="http://schemas.microsoft.com/office/drawing/2014/main" id="{FD47169A-0725-445B-BB70-25025E6C474C}"/>
+                <a16:creationId xmlns:a16="http://schemas.microsoft.com/office/drawing/2014/main" id="{56239333-E162-45A3-AEB1-61D6D4664337}"/>
               </a:ext>
             </a:extLst>
           </p:cNvPr>
@@ -6631,7 +6752,7 @@
           <a:p>
             <a:r>
               <a:rPr lang="de-CH" dirty="0" err="1"/>
-              <a:t>Coroutinen</a:t>
+              <a:t>Closures</a:t>
             </a:r>
             <a:endParaRPr lang="de-CH" dirty="0"/>
           </a:p>
@@ -6642,7 +6763,7 @@
           <p:cNvPr id="3" name="Inhaltsplatzhalter 2">
             <a:extLst>
               <a:ext uri="{FF2B5EF4-FFF2-40B4-BE49-F238E27FC236}">
-                <a16:creationId xmlns:a16="http://schemas.microsoft.com/office/drawing/2014/main" id="{436767F2-3335-498B-B46E-288353E88BA5}"/>
+                <a16:creationId xmlns:a16="http://schemas.microsoft.com/office/drawing/2014/main" id="{6DC23532-B365-4FE1-B382-6C8769DC0B73}"/>
               </a:ext>
             </a:extLst>
           </p:cNvPr>
@@ -6658,7 +6779,7 @@
           <a:bodyPr/>
           <a:lstStyle/>
           <a:p>
-            <a:endParaRPr lang="de-CH"/>
+            <a:endParaRPr lang="de-CH" dirty="0"/>
           </a:p>
         </p:txBody>
       </p:sp>
@@ -6667,7 +6788,7 @@
           <p:cNvPr id="4" name="Foliennummernplatzhalter 3">
             <a:extLst>
               <a:ext uri="{FF2B5EF4-FFF2-40B4-BE49-F238E27FC236}">
-                <a16:creationId xmlns:a16="http://schemas.microsoft.com/office/drawing/2014/main" id="{F8A6CD18-E7CC-40D3-987F-D444CB945A44}"/>
+                <a16:creationId xmlns:a16="http://schemas.microsoft.com/office/drawing/2014/main" id="{3DB38145-E9E2-4C45-9317-8ACC72F3DAAD}"/>
               </a:ext>
             </a:extLst>
           </p:cNvPr>
@@ -6694,7 +6815,7 @@
     </p:spTree>
     <p:extLst>
       <p:ext uri="{BB962C8B-B14F-4D97-AF65-F5344CB8AC3E}">
-        <p14:creationId xmlns:p14="http://schemas.microsoft.com/office/powerpoint/2010/main" val="793952712"/>
+        <p14:creationId xmlns:p14="http://schemas.microsoft.com/office/powerpoint/2010/main" val="784608351"/>
       </p:ext>
     </p:extLst>
   </p:cSld>
@@ -6726,7 +6847,7 @@
           <p:cNvPr id="2" name="Titel 1">
             <a:extLst>
               <a:ext uri="{FF2B5EF4-FFF2-40B4-BE49-F238E27FC236}">
-                <a16:creationId xmlns:a16="http://schemas.microsoft.com/office/drawing/2014/main" id="{6486E8EF-3B12-4E02-A675-FFBBAE80B575}"/>
+                <a16:creationId xmlns:a16="http://schemas.microsoft.com/office/drawing/2014/main" id="{FD47169A-0725-445B-BB70-25025E6C474C}"/>
               </a:ext>
             </a:extLst>
           </p:cNvPr>
@@ -6743,12 +6864,8 @@
           <a:lstStyle/>
           <a:p>
             <a:r>
-              <a:rPr lang="de-CH" dirty="0"/>
-              <a:t>Information </a:t>
-            </a:r>
-            <a:r>
               <a:rPr lang="de-CH" dirty="0" err="1"/>
-              <a:t>Hiding</a:t>
+              <a:t>Coroutinen</a:t>
             </a:r>
             <a:endParaRPr lang="de-CH" dirty="0"/>
           </a:p>
@@ -6759,7 +6876,7 @@
           <p:cNvPr id="3" name="Inhaltsplatzhalter 2">
             <a:extLst>
               <a:ext uri="{FF2B5EF4-FFF2-40B4-BE49-F238E27FC236}">
-                <a16:creationId xmlns:a16="http://schemas.microsoft.com/office/drawing/2014/main" id="{8AA40234-5E6D-452A-9CFE-89A25C2351AE}"/>
+                <a16:creationId xmlns:a16="http://schemas.microsoft.com/office/drawing/2014/main" id="{436767F2-3335-498B-B46E-288353E88BA5}"/>
               </a:ext>
             </a:extLst>
           </p:cNvPr>
@@ -6784,7 +6901,7 @@
           <p:cNvPr id="4" name="Foliennummernplatzhalter 3">
             <a:extLst>
               <a:ext uri="{FF2B5EF4-FFF2-40B4-BE49-F238E27FC236}">
-                <a16:creationId xmlns:a16="http://schemas.microsoft.com/office/drawing/2014/main" id="{BFB806E4-09AD-43A1-9359-982D7ED8586D}"/>
+                <a16:creationId xmlns:a16="http://schemas.microsoft.com/office/drawing/2014/main" id="{F8A6CD18-E7CC-40D3-987F-D444CB945A44}"/>
               </a:ext>
             </a:extLst>
           </p:cNvPr>
@@ -6811,7 +6928,7 @@
     </p:spTree>
     <p:extLst>
       <p:ext uri="{BB962C8B-B14F-4D97-AF65-F5344CB8AC3E}">
-        <p14:creationId xmlns:p14="http://schemas.microsoft.com/office/powerpoint/2010/main" val="2929722438"/>
+        <p14:creationId xmlns:p14="http://schemas.microsoft.com/office/powerpoint/2010/main" val="793952712"/>
       </p:ext>
     </p:extLst>
   </p:cSld>
@@ -6843,7 +6960,7 @@
           <p:cNvPr id="2" name="Titel 1">
             <a:extLst>
               <a:ext uri="{FF2B5EF4-FFF2-40B4-BE49-F238E27FC236}">
-                <a16:creationId xmlns:a16="http://schemas.microsoft.com/office/drawing/2014/main" id="{04EB3405-10C9-47A9-A9AA-216DA50A21E9}"/>
+                <a16:creationId xmlns:a16="http://schemas.microsoft.com/office/drawing/2014/main" id="{6486E8EF-3B12-4E02-A675-FFBBAE80B575}"/>
               </a:ext>
             </a:extLst>
           </p:cNvPr>
@@ -6860,24 +6977,12 @@
           <a:lstStyle/>
           <a:p>
             <a:r>
+              <a:rPr lang="de-CH" dirty="0"/>
+              <a:t>Information </a:t>
+            </a:r>
+            <a:r>
               <a:rPr lang="de-CH" dirty="0" err="1"/>
-              <a:t>Principle</a:t>
-            </a:r>
-            <a:r>
-              <a:rPr lang="de-CH" dirty="0"/>
-              <a:t> </a:t>
-            </a:r>
-            <a:r>
-              <a:rPr lang="de-CH" dirty="0" err="1"/>
-              <a:t>of</a:t>
-            </a:r>
-            <a:r>
-              <a:rPr lang="de-CH" dirty="0"/>
-              <a:t> least </a:t>
-            </a:r>
-            <a:r>
-              <a:rPr lang="de-CH" dirty="0" err="1"/>
-              <a:t>privilege</a:t>
+              <a:t>Hiding</a:t>
             </a:r>
             <a:endParaRPr lang="de-CH" dirty="0"/>
           </a:p>
@@ -6888,7 +6993,7 @@
           <p:cNvPr id="3" name="Inhaltsplatzhalter 2">
             <a:extLst>
               <a:ext uri="{FF2B5EF4-FFF2-40B4-BE49-F238E27FC236}">
-                <a16:creationId xmlns:a16="http://schemas.microsoft.com/office/drawing/2014/main" id="{0CFD7535-7CBA-4DFE-A6E6-49B718077257}"/>
+                <a16:creationId xmlns:a16="http://schemas.microsoft.com/office/drawing/2014/main" id="{8AA40234-5E6D-452A-9CFE-89A25C2351AE}"/>
               </a:ext>
             </a:extLst>
           </p:cNvPr>
@@ -6913,7 +7018,7 @@
           <p:cNvPr id="4" name="Foliennummernplatzhalter 3">
             <a:extLst>
               <a:ext uri="{FF2B5EF4-FFF2-40B4-BE49-F238E27FC236}">
-                <a16:creationId xmlns:a16="http://schemas.microsoft.com/office/drawing/2014/main" id="{DD6B7873-9CD9-45E7-AF9A-2530C944E3F2}"/>
+                <a16:creationId xmlns:a16="http://schemas.microsoft.com/office/drawing/2014/main" id="{BFB806E4-09AD-43A1-9359-982D7ED8586D}"/>
               </a:ext>
             </a:extLst>
           </p:cNvPr>
@@ -6940,7 +7045,7 @@
     </p:spTree>
     <p:extLst>
       <p:ext uri="{BB962C8B-B14F-4D97-AF65-F5344CB8AC3E}">
-        <p14:creationId xmlns:p14="http://schemas.microsoft.com/office/powerpoint/2010/main" val="1871839398"/>
+        <p14:creationId xmlns:p14="http://schemas.microsoft.com/office/powerpoint/2010/main" val="2929722438"/>
       </p:ext>
     </p:extLst>
   </p:cSld>
@@ -6972,7 +7077,7 @@
           <p:cNvPr id="2" name="Titel 1">
             <a:extLst>
               <a:ext uri="{FF2B5EF4-FFF2-40B4-BE49-F238E27FC236}">
-                <a16:creationId xmlns:a16="http://schemas.microsoft.com/office/drawing/2014/main" id="{851FC036-58D5-43FF-8A35-EE4BF1F3B746}"/>
+                <a16:creationId xmlns:a16="http://schemas.microsoft.com/office/drawing/2014/main" id="{04EB3405-10C9-47A9-A9AA-216DA50A21E9}"/>
               </a:ext>
             </a:extLst>
           </p:cNvPr>
@@ -6989,9 +7094,26 @@
           <a:lstStyle/>
           <a:p>
             <a:r>
+              <a:rPr lang="de-CH" dirty="0" err="1"/>
+              <a:t>Principle</a:t>
+            </a:r>
+            <a:r>
               <a:rPr lang="de-CH" dirty="0"/>
-              <a:t>Technisches Fazit</a:t>
-            </a:r>
+              <a:t> </a:t>
+            </a:r>
+            <a:r>
+              <a:rPr lang="de-CH" dirty="0" err="1"/>
+              <a:t>of</a:t>
+            </a:r>
+            <a:r>
+              <a:rPr lang="de-CH" dirty="0"/>
+              <a:t> least </a:t>
+            </a:r>
+            <a:r>
+              <a:rPr lang="de-CH" dirty="0" err="1"/>
+              <a:t>privilege</a:t>
+            </a:r>
+            <a:endParaRPr lang="de-CH" dirty="0"/>
           </a:p>
         </p:txBody>
       </p:sp>
@@ -7000,7 +7122,7 @@
           <p:cNvPr id="3" name="Inhaltsplatzhalter 2">
             <a:extLst>
               <a:ext uri="{FF2B5EF4-FFF2-40B4-BE49-F238E27FC236}">
-                <a16:creationId xmlns:a16="http://schemas.microsoft.com/office/drawing/2014/main" id="{6814BCD6-8F3F-428F-9327-B6F4FC65A548}"/>
+                <a16:creationId xmlns:a16="http://schemas.microsoft.com/office/drawing/2014/main" id="{0CFD7535-7CBA-4DFE-A6E6-49B718077257}"/>
               </a:ext>
             </a:extLst>
           </p:cNvPr>
@@ -7016,7 +7138,7 @@
           <a:bodyPr/>
           <a:lstStyle/>
           <a:p>
-            <a:endParaRPr lang="de-CH" dirty="0"/>
+            <a:endParaRPr lang="de-CH"/>
           </a:p>
         </p:txBody>
       </p:sp>
@@ -7025,7 +7147,7 @@
           <p:cNvPr id="4" name="Foliennummernplatzhalter 3">
             <a:extLst>
               <a:ext uri="{FF2B5EF4-FFF2-40B4-BE49-F238E27FC236}">
-                <a16:creationId xmlns:a16="http://schemas.microsoft.com/office/drawing/2014/main" id="{FFD693D2-375C-4B12-938D-3B749BAC915F}"/>
+                <a16:creationId xmlns:a16="http://schemas.microsoft.com/office/drawing/2014/main" id="{DD6B7873-9CD9-45E7-AF9A-2530C944E3F2}"/>
               </a:ext>
             </a:extLst>
           </p:cNvPr>
@@ -7052,7 +7174,7 @@
     </p:spTree>
     <p:extLst>
       <p:ext uri="{BB962C8B-B14F-4D97-AF65-F5344CB8AC3E}">
-        <p14:creationId xmlns:p14="http://schemas.microsoft.com/office/powerpoint/2010/main" val="3181546151"/>
+        <p14:creationId xmlns:p14="http://schemas.microsoft.com/office/powerpoint/2010/main" val="1871839398"/>
       </p:ext>
     </p:extLst>
   </p:cSld>
@@ -7084,7 +7206,7 @@
           <p:cNvPr id="2" name="Titel 1">
             <a:extLst>
               <a:ext uri="{FF2B5EF4-FFF2-40B4-BE49-F238E27FC236}">
-                <a16:creationId xmlns:a16="http://schemas.microsoft.com/office/drawing/2014/main" id="{6176994B-2427-43BA-B909-FCE22686C822}"/>
+                <a16:creationId xmlns:a16="http://schemas.microsoft.com/office/drawing/2014/main" id="{851FC036-58D5-43FF-8A35-EE4BF1F3B746}"/>
               </a:ext>
             </a:extLst>
           </p:cNvPr>
@@ -7102,7 +7224,7 @@
           <a:p>
             <a:r>
               <a:rPr lang="de-CH" dirty="0"/>
-              <a:t>Persönliches Fazit</a:t>
+              <a:t>Technisches Fazit</a:t>
             </a:r>
           </a:p>
         </p:txBody>
@@ -7112,7 +7234,7 @@
           <p:cNvPr id="3" name="Inhaltsplatzhalter 2">
             <a:extLst>
               <a:ext uri="{FF2B5EF4-FFF2-40B4-BE49-F238E27FC236}">
-                <a16:creationId xmlns:a16="http://schemas.microsoft.com/office/drawing/2014/main" id="{F9DD5F0E-5C3C-4EFF-8E69-0EEFB5C38827}"/>
+                <a16:creationId xmlns:a16="http://schemas.microsoft.com/office/drawing/2014/main" id="{6814BCD6-8F3F-428F-9327-B6F4FC65A548}"/>
               </a:ext>
             </a:extLst>
           </p:cNvPr>
@@ -7128,7 +7250,7 @@
           <a:bodyPr/>
           <a:lstStyle/>
           <a:p>
-            <a:endParaRPr lang="de-CH"/>
+            <a:endParaRPr lang="de-CH" dirty="0"/>
           </a:p>
         </p:txBody>
       </p:sp>
@@ -7137,7 +7259,7 @@
           <p:cNvPr id="4" name="Foliennummernplatzhalter 3">
             <a:extLst>
               <a:ext uri="{FF2B5EF4-FFF2-40B4-BE49-F238E27FC236}">
-                <a16:creationId xmlns:a16="http://schemas.microsoft.com/office/drawing/2014/main" id="{BF0E9832-CB94-4729-AA32-C139D4A1FD20}"/>
+                <a16:creationId xmlns:a16="http://schemas.microsoft.com/office/drawing/2014/main" id="{FFD693D2-375C-4B12-938D-3B749BAC915F}"/>
               </a:ext>
             </a:extLst>
           </p:cNvPr>
@@ -7164,7 +7286,7 @@
     </p:spTree>
     <p:extLst>
       <p:ext uri="{BB962C8B-B14F-4D97-AF65-F5344CB8AC3E}">
-        <p14:creationId xmlns:p14="http://schemas.microsoft.com/office/powerpoint/2010/main" val="3617008818"/>
+        <p14:creationId xmlns:p14="http://schemas.microsoft.com/office/powerpoint/2010/main" val="3181546151"/>
       </p:ext>
     </p:extLst>
   </p:cSld>
@@ -7196,7 +7318,7 @@
           <p:cNvPr id="2" name="Titel 1">
             <a:extLst>
               <a:ext uri="{FF2B5EF4-FFF2-40B4-BE49-F238E27FC236}">
-                <a16:creationId xmlns:a16="http://schemas.microsoft.com/office/drawing/2014/main" id="{8F46BB6D-FF80-4678-BE12-178CCD370CB5}"/>
+                <a16:creationId xmlns:a16="http://schemas.microsoft.com/office/drawing/2014/main" id="{6176994B-2427-43BA-B909-FCE22686C822}"/>
               </a:ext>
             </a:extLst>
           </p:cNvPr>
@@ -7224,7 +7346,7 @@
           <p:cNvPr id="3" name="Inhaltsplatzhalter 2">
             <a:extLst>
               <a:ext uri="{FF2B5EF4-FFF2-40B4-BE49-F238E27FC236}">
-                <a16:creationId xmlns:a16="http://schemas.microsoft.com/office/drawing/2014/main" id="{334B0A7D-132C-41D7-BD08-557EB46A1275}"/>
+                <a16:creationId xmlns:a16="http://schemas.microsoft.com/office/drawing/2014/main" id="{F9DD5F0E-5C3C-4EFF-8E69-0EEFB5C38827}"/>
               </a:ext>
             </a:extLst>
           </p:cNvPr>
@@ -7249,7 +7371,7 @@
           <p:cNvPr id="4" name="Foliennummernplatzhalter 3">
             <a:extLst>
               <a:ext uri="{FF2B5EF4-FFF2-40B4-BE49-F238E27FC236}">
-                <a16:creationId xmlns:a16="http://schemas.microsoft.com/office/drawing/2014/main" id="{EC09ED78-F1CE-4032-8547-66FBBF58E2A0}"/>
+                <a16:creationId xmlns:a16="http://schemas.microsoft.com/office/drawing/2014/main" id="{BF0E9832-CB94-4729-AA32-C139D4A1FD20}"/>
               </a:ext>
             </a:extLst>
           </p:cNvPr>
@@ -7276,7 +7398,7 @@
     </p:spTree>
     <p:extLst>
       <p:ext uri="{BB962C8B-B14F-4D97-AF65-F5344CB8AC3E}">
-        <p14:creationId xmlns:p14="http://schemas.microsoft.com/office/powerpoint/2010/main" val="1352414623"/>
+        <p14:creationId xmlns:p14="http://schemas.microsoft.com/office/powerpoint/2010/main" val="3617008818"/>
       </p:ext>
     </p:extLst>
   </p:cSld>

--- a/Lua.pptx
+++ b/Lua.pptx
@@ -5,7 +5,7 @@
     <p:sldMasterId id="2147483758" r:id="rId1"/>
   </p:sldMasterIdLst>
   <p:notesMasterIdLst>
-    <p:notesMasterId r:id="rId12"/>
+    <p:notesMasterId r:id="rId11"/>
   </p:notesMasterIdLst>
   <p:sldIdLst>
     <p:sldId id="256" r:id="rId2"/>
@@ -16,8 +16,7 @@
     <p:sldId id="260" r:id="rId7"/>
     <p:sldId id="261" r:id="rId8"/>
     <p:sldId id="262" r:id="rId9"/>
-    <p:sldId id="263" r:id="rId10"/>
-    <p:sldId id="264" r:id="rId11"/>
+    <p:sldId id="264" r:id="rId10"/>
   </p:sldIdLst>
   <p:sldSz cx="12192000" cy="6858000"/>
   <p:notesSz cx="6858000" cy="9144000"/>
@@ -6297,118 +6296,6 @@
 </p:sld>
 </file>
 
-<file path=ppt/slides/slide10.xml><?xml version="1.0" encoding="utf-8"?>
-<p:sld xmlns:a="http://schemas.openxmlformats.org/drawingml/2006/main" xmlns:r="http://schemas.openxmlformats.org/officeDocument/2006/relationships" xmlns:p="http://schemas.openxmlformats.org/presentationml/2006/main">
-  <p:cSld>
-    <p:spTree>
-      <p:nvGrpSpPr>
-        <p:cNvPr id="1" name=""/>
-        <p:cNvGrpSpPr/>
-        <p:nvPr/>
-      </p:nvGrpSpPr>
-      <p:grpSpPr>
-        <a:xfrm>
-          <a:off x="0" y="0"/>
-          <a:ext cx="0" cy="0"/>
-          <a:chOff x="0" y="0"/>
-          <a:chExt cx="0" cy="0"/>
-        </a:xfrm>
-      </p:grpSpPr>
-      <p:sp>
-        <p:nvSpPr>
-          <p:cNvPr id="2" name="Titel 1">
-            <a:extLst>
-              <a:ext uri="{FF2B5EF4-FFF2-40B4-BE49-F238E27FC236}">
-                <a16:creationId xmlns:a16="http://schemas.microsoft.com/office/drawing/2014/main" id="{8F46BB6D-FF80-4678-BE12-178CCD370CB5}"/>
-              </a:ext>
-            </a:extLst>
-          </p:cNvPr>
-          <p:cNvSpPr>
-            <a:spLocks noGrp="1"/>
-          </p:cNvSpPr>
-          <p:nvPr>
-            <p:ph type="title"/>
-          </p:nvPr>
-        </p:nvSpPr>
-        <p:spPr/>
-        <p:txBody>
-          <a:bodyPr/>
-          <a:lstStyle/>
-          <a:p>
-            <a:r>
-              <a:rPr lang="de-CH" dirty="0"/>
-              <a:t>Persönliches Fazit</a:t>
-            </a:r>
-          </a:p>
-        </p:txBody>
-      </p:sp>
-      <p:sp>
-        <p:nvSpPr>
-          <p:cNvPr id="3" name="Inhaltsplatzhalter 2">
-            <a:extLst>
-              <a:ext uri="{FF2B5EF4-FFF2-40B4-BE49-F238E27FC236}">
-                <a16:creationId xmlns:a16="http://schemas.microsoft.com/office/drawing/2014/main" id="{334B0A7D-132C-41D7-BD08-557EB46A1275}"/>
-              </a:ext>
-            </a:extLst>
-          </p:cNvPr>
-          <p:cNvSpPr>
-            <a:spLocks noGrp="1"/>
-          </p:cNvSpPr>
-          <p:nvPr>
-            <p:ph idx="1"/>
-          </p:nvPr>
-        </p:nvSpPr>
-        <p:spPr/>
-        <p:txBody>
-          <a:bodyPr/>
-          <a:lstStyle/>
-          <a:p>
-            <a:endParaRPr lang="de-CH"/>
-          </a:p>
-        </p:txBody>
-      </p:sp>
-      <p:sp>
-        <p:nvSpPr>
-          <p:cNvPr id="4" name="Foliennummernplatzhalter 3">
-            <a:extLst>
-              <a:ext uri="{FF2B5EF4-FFF2-40B4-BE49-F238E27FC236}">
-                <a16:creationId xmlns:a16="http://schemas.microsoft.com/office/drawing/2014/main" id="{EC09ED78-F1CE-4032-8547-66FBBF58E2A0}"/>
-              </a:ext>
-            </a:extLst>
-          </p:cNvPr>
-          <p:cNvSpPr>
-            <a:spLocks noGrp="1"/>
-          </p:cNvSpPr>
-          <p:nvPr>
-            <p:ph type="sldNum" sz="quarter" idx="12"/>
-          </p:nvPr>
-        </p:nvSpPr>
-        <p:spPr/>
-        <p:txBody>
-          <a:bodyPr/>
-          <a:lstStyle/>
-          <a:p>
-            <a:fld id="{0CE99FAD-A252-45E6-912A-7A3B14C6A053}" type="slidenum">
-              <a:rPr lang="de-CH" smtClean="0"/>
-              <a:t>10</a:t>
-            </a:fld>
-            <a:endParaRPr lang="de-CH"/>
-          </a:p>
-        </p:txBody>
-      </p:sp>
-    </p:spTree>
-    <p:extLst>
-      <p:ext uri="{BB962C8B-B14F-4D97-AF65-F5344CB8AC3E}">
-        <p14:creationId xmlns:p14="http://schemas.microsoft.com/office/powerpoint/2010/main" val="1352414623"/>
-      </p:ext>
-    </p:extLst>
-  </p:cSld>
-  <p:clrMapOvr>
-    <a:masterClrMapping/>
-  </p:clrMapOvr>
-</p:sld>
-</file>
-
 <file path=ppt/slides/slide2.xml><?xml version="1.0" encoding="utf-8"?>
 <p:sld xmlns:a="http://schemas.openxmlformats.org/drawingml/2006/main" xmlns:r="http://schemas.openxmlformats.org/officeDocument/2006/relationships" xmlns:p="http://schemas.openxmlformats.org/presentationml/2006/main">
   <p:cSld>
@@ -7318,7 +7205,7 @@
           <p:cNvPr id="2" name="Titel 1">
             <a:extLst>
               <a:ext uri="{FF2B5EF4-FFF2-40B4-BE49-F238E27FC236}">
-                <a16:creationId xmlns:a16="http://schemas.microsoft.com/office/drawing/2014/main" id="{6176994B-2427-43BA-B909-FCE22686C822}"/>
+                <a16:creationId xmlns:a16="http://schemas.microsoft.com/office/drawing/2014/main" id="{8F46BB6D-FF80-4678-BE12-178CCD370CB5}"/>
               </a:ext>
             </a:extLst>
           </p:cNvPr>
@@ -7336,8 +7223,13 @@
           <a:p>
             <a:r>
               <a:rPr lang="de-CH" dirty="0"/>
-              <a:t>Persönliches Fazit</a:t>
-            </a:r>
+              <a:t>Persönliche </a:t>
+            </a:r>
+            <a:r>
+              <a:rPr lang="de-CH" dirty="0" err="1"/>
+              <a:t>Fazite</a:t>
+            </a:r>
+            <a:endParaRPr lang="de-CH" dirty="0"/>
           </a:p>
         </p:txBody>
       </p:sp>
@@ -7346,7 +7238,7 @@
           <p:cNvPr id="3" name="Inhaltsplatzhalter 2">
             <a:extLst>
               <a:ext uri="{FF2B5EF4-FFF2-40B4-BE49-F238E27FC236}">
-                <a16:creationId xmlns:a16="http://schemas.microsoft.com/office/drawing/2014/main" id="{F9DD5F0E-5C3C-4EFF-8E69-0EEFB5C38827}"/>
+                <a16:creationId xmlns:a16="http://schemas.microsoft.com/office/drawing/2014/main" id="{334B0A7D-132C-41D7-BD08-557EB46A1275}"/>
               </a:ext>
             </a:extLst>
           </p:cNvPr>
@@ -7371,7 +7263,7 @@
           <p:cNvPr id="4" name="Foliennummernplatzhalter 3">
             <a:extLst>
               <a:ext uri="{FF2B5EF4-FFF2-40B4-BE49-F238E27FC236}">
-                <a16:creationId xmlns:a16="http://schemas.microsoft.com/office/drawing/2014/main" id="{BF0E9832-CB94-4729-AA32-C139D4A1FD20}"/>
+                <a16:creationId xmlns:a16="http://schemas.microsoft.com/office/drawing/2014/main" id="{EC09ED78-F1CE-4032-8547-66FBBF58E2A0}"/>
               </a:ext>
             </a:extLst>
           </p:cNvPr>
@@ -7398,7 +7290,7 @@
     </p:spTree>
     <p:extLst>
       <p:ext uri="{BB962C8B-B14F-4D97-AF65-F5344CB8AC3E}">
-        <p14:creationId xmlns:p14="http://schemas.microsoft.com/office/powerpoint/2010/main" val="3617008818"/>
+        <p14:creationId xmlns:p14="http://schemas.microsoft.com/office/powerpoint/2010/main" val="1352414623"/>
       </p:ext>
     </p:extLst>
   </p:cSld>
